--- a/presentation/qram-slides.pptx
+++ b/presentation/qram-slides.pptx
@@ -11,6 +11,12 @@
     <p:sldId id="259" r:id="rId5"/>
     <p:sldId id="260" r:id="rId6"/>
     <p:sldId id="261" r:id="rId7"/>
+    <p:sldId id="262" r:id="rId8"/>
+    <p:sldId id="266" r:id="rId9"/>
+    <p:sldId id="267" r:id="rId10"/>
+    <p:sldId id="268" r:id="rId11"/>
+    <p:sldId id="269" r:id="rId12"/>
+    <p:sldId id="270" r:id="rId13"/>
   </p:sldIdLst>
   <p:sldSz cx="12192000" cy="6858000"/>
   <p:notesSz cx="6858000" cy="9144000"/>
@@ -109,6 +115,11 @@
       </a:defRPr>
     </a:lvl9pPr>
   </p:defaultTextStyle>
+  <p:extLst>
+    <p:ext uri="{EFAFB233-063F-42B5-8137-9DF3F51BA10A}">
+      <p15:sldGuideLst xmlns:p15="http://schemas.microsoft.com/office/powerpoint/2012/main"/>
+    </p:ext>
+  </p:extLst>
 </p:presentation>
 </file>
 
@@ -259,7 +270,7 @@
           <a:p>
             <a:fld id="{1D722060-E395-154B-A7B2-08C3B35A8079}" type="datetimeFigureOut">
               <a:rPr lang="en-US" smtClean="0"/>
-              <a:t>12/4/25</a:t>
+              <a:t>12/4/2025</a:t>
             </a:fld>
             <a:endParaRPr lang="en-US"/>
           </a:p>
@@ -457,7 +468,7 @@
           <a:p>
             <a:fld id="{1D722060-E395-154B-A7B2-08C3B35A8079}" type="datetimeFigureOut">
               <a:rPr lang="en-US" smtClean="0"/>
-              <a:t>12/4/25</a:t>
+              <a:t>12/4/2025</a:t>
             </a:fld>
             <a:endParaRPr lang="en-US"/>
           </a:p>
@@ -665,7 +676,7 @@
           <a:p>
             <a:fld id="{1D722060-E395-154B-A7B2-08C3B35A8079}" type="datetimeFigureOut">
               <a:rPr lang="en-US" smtClean="0"/>
-              <a:t>12/4/25</a:t>
+              <a:t>12/4/2025</a:t>
             </a:fld>
             <a:endParaRPr lang="en-US"/>
           </a:p>
@@ -863,7 +874,7 @@
           <a:p>
             <a:fld id="{1D722060-E395-154B-A7B2-08C3B35A8079}" type="datetimeFigureOut">
               <a:rPr lang="en-US" smtClean="0"/>
-              <a:t>12/4/25</a:t>
+              <a:t>12/4/2025</a:t>
             </a:fld>
             <a:endParaRPr lang="en-US"/>
           </a:p>
@@ -1138,7 +1149,7 @@
           <a:p>
             <a:fld id="{1D722060-E395-154B-A7B2-08C3B35A8079}" type="datetimeFigureOut">
               <a:rPr lang="en-US" smtClean="0"/>
-              <a:t>12/4/25</a:t>
+              <a:t>12/4/2025</a:t>
             </a:fld>
             <a:endParaRPr lang="en-US"/>
           </a:p>
@@ -1403,7 +1414,7 @@
           <a:p>
             <a:fld id="{1D722060-E395-154B-A7B2-08C3B35A8079}" type="datetimeFigureOut">
               <a:rPr lang="en-US" smtClean="0"/>
-              <a:t>12/4/25</a:t>
+              <a:t>12/4/2025</a:t>
             </a:fld>
             <a:endParaRPr lang="en-US"/>
           </a:p>
@@ -1815,7 +1826,7 @@
           <a:p>
             <a:fld id="{1D722060-E395-154B-A7B2-08C3B35A8079}" type="datetimeFigureOut">
               <a:rPr lang="en-US" smtClean="0"/>
-              <a:t>12/4/25</a:t>
+              <a:t>12/4/2025</a:t>
             </a:fld>
             <a:endParaRPr lang="en-US"/>
           </a:p>
@@ -1956,7 +1967,7 @@
           <a:p>
             <a:fld id="{1D722060-E395-154B-A7B2-08C3B35A8079}" type="datetimeFigureOut">
               <a:rPr lang="en-US" smtClean="0"/>
-              <a:t>12/4/25</a:t>
+              <a:t>12/4/2025</a:t>
             </a:fld>
             <a:endParaRPr lang="en-US"/>
           </a:p>
@@ -2069,7 +2080,7 @@
           <a:p>
             <a:fld id="{1D722060-E395-154B-A7B2-08C3B35A8079}" type="datetimeFigureOut">
               <a:rPr lang="en-US" smtClean="0"/>
-              <a:t>12/4/25</a:t>
+              <a:t>12/4/2025</a:t>
             </a:fld>
             <a:endParaRPr lang="en-US"/>
           </a:p>
@@ -2380,7 +2391,7 @@
           <a:p>
             <a:fld id="{1D722060-E395-154B-A7B2-08C3B35A8079}" type="datetimeFigureOut">
               <a:rPr lang="en-US" smtClean="0"/>
-              <a:t>12/4/25</a:t>
+              <a:t>12/4/2025</a:t>
             </a:fld>
             <a:endParaRPr lang="en-US"/>
           </a:p>
@@ -2668,7 +2679,7 @@
           <a:p>
             <a:fld id="{1D722060-E395-154B-A7B2-08C3B35A8079}" type="datetimeFigureOut">
               <a:rPr lang="en-US" smtClean="0"/>
-              <a:t>12/4/25</a:t>
+              <a:t>12/4/2025</a:t>
             </a:fld>
             <a:endParaRPr lang="en-US"/>
           </a:p>
@@ -2909,7 +2920,7 @@
           <a:p>
             <a:fld id="{1D722060-E395-154B-A7B2-08C3B35A8079}" type="datetimeFigureOut">
               <a:rPr lang="en-US" smtClean="0"/>
-              <a:t>12/4/25</a:t>
+              <a:t>12/4/2025</a:t>
             </a:fld>
             <a:endParaRPr lang="en-US"/>
           </a:p>
@@ -3407,6 +3418,468 @@
 </p:sld>
 </file>
 
+<file path=ppt/slides/slide10.xml><?xml version="1.0" encoding="utf-8"?>
+<p:sld xmlns:a="http://schemas.openxmlformats.org/drawingml/2006/main" xmlns:r="http://schemas.openxmlformats.org/officeDocument/2006/relationships" xmlns:p="http://schemas.openxmlformats.org/presentationml/2006/main">
+  <p:cSld>
+    <p:spTree>
+      <p:nvGrpSpPr>
+        <p:cNvPr id="1" name="">
+          <a:extLst>
+            <a:ext uri="{FF2B5EF4-FFF2-40B4-BE49-F238E27FC236}">
+              <a16:creationId xmlns:a16="http://schemas.microsoft.com/office/drawing/2014/main" id="{C22E3D59-AF7D-0165-C362-25A9C1714029}"/>
+            </a:ext>
+          </a:extLst>
+        </p:cNvPr>
+        <p:cNvGrpSpPr/>
+        <p:nvPr/>
+      </p:nvGrpSpPr>
+      <p:grpSpPr>
+        <a:xfrm>
+          <a:off x="0" y="0"/>
+          <a:ext cx="0" cy="0"/>
+          <a:chOff x="0" y="0"/>
+          <a:chExt cx="0" cy="0"/>
+        </a:xfrm>
+      </p:grpSpPr>
+      <p:sp>
+        <p:nvSpPr>
+          <p:cNvPr id="2" name="Title 1">
+            <a:extLst>
+              <a:ext uri="{FF2B5EF4-FFF2-40B4-BE49-F238E27FC236}">
+                <a16:creationId xmlns:a16="http://schemas.microsoft.com/office/drawing/2014/main" id="{93D3E4B1-7826-A79F-7503-17D5259100ED}"/>
+              </a:ext>
+            </a:extLst>
+          </p:cNvPr>
+          <p:cNvSpPr>
+            <a:spLocks noGrp="1"/>
+          </p:cNvSpPr>
+          <p:nvPr>
+            <p:ph type="title"/>
+          </p:nvPr>
+        </p:nvSpPr>
+        <p:spPr>
+          <a:xfrm>
+            <a:off x="838200" y="0"/>
+            <a:ext cx="10515600" cy="1325563"/>
+          </a:xfrm>
+        </p:spPr>
+        <p:txBody>
+          <a:bodyPr/>
+          <a:lstStyle/>
+          <a:p>
+            <a:r>
+              <a:rPr lang="en-GB" dirty="0"/>
+              <a:t>Number of Qubits for n-size QRAM</a:t>
+            </a:r>
+          </a:p>
+        </p:txBody>
+      </p:sp>
+      <p:pic>
+        <p:nvPicPr>
+          <p:cNvPr id="4" name="Picture 3">
+            <a:extLst>
+              <a:ext uri="{FF2B5EF4-FFF2-40B4-BE49-F238E27FC236}">
+                <a16:creationId xmlns:a16="http://schemas.microsoft.com/office/drawing/2014/main" id="{1ADB1C42-1E4B-AD76-A965-2399039C9E39}"/>
+              </a:ext>
+            </a:extLst>
+          </p:cNvPr>
+          <p:cNvPicPr>
+            <a:picLocks noChangeAspect="1"/>
+          </p:cNvPicPr>
+          <p:nvPr/>
+        </p:nvPicPr>
+        <p:blipFill>
+          <a:blip r:embed="rId2"/>
+          <a:stretch>
+            <a:fillRect/>
+          </a:stretch>
+        </p:blipFill>
+        <p:spPr>
+          <a:xfrm>
+            <a:off x="3822700" y="2361316"/>
+            <a:ext cx="2596244" cy="1009650"/>
+          </a:xfrm>
+          <a:prstGeom prst="rect">
+            <a:avLst/>
+          </a:prstGeom>
+        </p:spPr>
+      </p:pic>
+      <p:pic>
+        <p:nvPicPr>
+          <p:cNvPr id="7" name="Picture 6">
+            <a:extLst>
+              <a:ext uri="{FF2B5EF4-FFF2-40B4-BE49-F238E27FC236}">
+                <a16:creationId xmlns:a16="http://schemas.microsoft.com/office/drawing/2014/main" id="{B0F5C09A-2914-096F-E392-811A21D8365C}"/>
+              </a:ext>
+            </a:extLst>
+          </p:cNvPr>
+          <p:cNvPicPr>
+            <a:picLocks noChangeAspect="1"/>
+          </p:cNvPicPr>
+          <p:nvPr/>
+        </p:nvPicPr>
+        <p:blipFill>
+          <a:blip r:embed="rId3"/>
+          <a:stretch>
+            <a:fillRect/>
+          </a:stretch>
+        </p:blipFill>
+        <p:spPr>
+          <a:xfrm>
+            <a:off x="3822700" y="3943343"/>
+            <a:ext cx="7211558" cy="1495485"/>
+          </a:xfrm>
+          <a:prstGeom prst="rect">
+            <a:avLst/>
+          </a:prstGeom>
+        </p:spPr>
+      </p:pic>
+      <p:sp>
+        <p:nvSpPr>
+          <p:cNvPr id="8" name="TextBox 7">
+            <a:extLst>
+              <a:ext uri="{FF2B5EF4-FFF2-40B4-BE49-F238E27FC236}">
+                <a16:creationId xmlns:a16="http://schemas.microsoft.com/office/drawing/2014/main" id="{A5398E00-96EE-72A4-0B08-422B7682D1BD}"/>
+              </a:ext>
+            </a:extLst>
+          </p:cNvPr>
+          <p:cNvSpPr txBox="1"/>
+          <p:nvPr/>
+        </p:nvSpPr>
+        <p:spPr>
+          <a:xfrm>
+            <a:off x="127000" y="2361316"/>
+            <a:ext cx="3695700" cy="2554545"/>
+          </a:xfrm>
+          <a:prstGeom prst="rect">
+            <a:avLst/>
+          </a:prstGeom>
+          <a:noFill/>
+        </p:spPr>
+        <p:txBody>
+          <a:bodyPr wrap="square" rtlCol="0">
+            <a:spAutoFit/>
+          </a:bodyPr>
+          <a:lstStyle/>
+          <a:p>
+            <a:r>
+              <a:rPr lang="en-GB" sz="4000" dirty="0"/>
+              <a:t>	  BB QRAM:</a:t>
+            </a:r>
+            <a:br>
+              <a:rPr lang="en-GB" sz="4000" dirty="0"/>
+            </a:br>
+            <a:br>
+              <a:rPr lang="en-GB" sz="4000" dirty="0"/>
+            </a:br>
+            <a:br>
+              <a:rPr lang="en-GB" sz="4000" dirty="0"/>
+            </a:br>
+            <a:r>
+              <a:rPr lang="en-GB" sz="4000" dirty="0"/>
+              <a:t>Fat-Tree QRAM:</a:t>
+            </a:r>
+          </a:p>
+        </p:txBody>
+      </p:sp>
+    </p:spTree>
+    <p:extLst>
+      <p:ext uri="{BB962C8B-B14F-4D97-AF65-F5344CB8AC3E}">
+        <p14:creationId xmlns:p14="http://schemas.microsoft.com/office/powerpoint/2010/main" val="404222314"/>
+      </p:ext>
+    </p:extLst>
+  </p:cSld>
+  <p:clrMapOvr>
+    <a:masterClrMapping/>
+  </p:clrMapOvr>
+</p:sld>
+</file>
+
+<file path=ppt/slides/slide11.xml><?xml version="1.0" encoding="utf-8"?>
+<p:sld xmlns:a="http://schemas.openxmlformats.org/drawingml/2006/main" xmlns:r="http://schemas.openxmlformats.org/officeDocument/2006/relationships" xmlns:p="http://schemas.openxmlformats.org/presentationml/2006/main">
+  <p:cSld>
+    <p:spTree>
+      <p:nvGrpSpPr>
+        <p:cNvPr id="1" name="">
+          <a:extLst>
+            <a:ext uri="{FF2B5EF4-FFF2-40B4-BE49-F238E27FC236}">
+              <a16:creationId xmlns:a16="http://schemas.microsoft.com/office/drawing/2014/main" id="{414CE633-D9E0-F572-156D-FEB333C5E098}"/>
+            </a:ext>
+          </a:extLst>
+        </p:cNvPr>
+        <p:cNvGrpSpPr/>
+        <p:nvPr/>
+      </p:nvGrpSpPr>
+      <p:grpSpPr>
+        <a:xfrm>
+          <a:off x="0" y="0"/>
+          <a:ext cx="0" cy="0"/>
+          <a:chOff x="0" y="0"/>
+          <a:chExt cx="0" cy="0"/>
+        </a:xfrm>
+      </p:grpSpPr>
+      <p:sp>
+        <p:nvSpPr>
+          <p:cNvPr id="2" name="Title 1">
+            <a:extLst>
+              <a:ext uri="{FF2B5EF4-FFF2-40B4-BE49-F238E27FC236}">
+                <a16:creationId xmlns:a16="http://schemas.microsoft.com/office/drawing/2014/main" id="{E8E7E47D-FD9E-6321-B3F9-9C52C673A234}"/>
+              </a:ext>
+            </a:extLst>
+          </p:cNvPr>
+          <p:cNvSpPr>
+            <a:spLocks noGrp="1"/>
+          </p:cNvSpPr>
+          <p:nvPr>
+            <p:ph type="title"/>
+          </p:nvPr>
+        </p:nvSpPr>
+        <p:spPr>
+          <a:xfrm>
+            <a:off x="838200" y="0"/>
+            <a:ext cx="10515600" cy="1325563"/>
+          </a:xfrm>
+        </p:spPr>
+        <p:txBody>
+          <a:bodyPr/>
+          <a:lstStyle/>
+          <a:p>
+            <a:r>
+              <a:rPr lang="en-GB" dirty="0"/>
+              <a:t>Increase in number of swaps</a:t>
+            </a:r>
+          </a:p>
+        </p:txBody>
+      </p:sp>
+      <p:pic>
+        <p:nvPicPr>
+          <p:cNvPr id="7" name="Picture 6">
+            <a:extLst>
+              <a:ext uri="{FF2B5EF4-FFF2-40B4-BE49-F238E27FC236}">
+                <a16:creationId xmlns:a16="http://schemas.microsoft.com/office/drawing/2014/main" id="{824BCCB6-DCFA-5B2A-F735-E1AFC27E7D02}"/>
+              </a:ext>
+            </a:extLst>
+          </p:cNvPr>
+          <p:cNvPicPr>
+            <a:picLocks noChangeAspect="1"/>
+          </p:cNvPicPr>
+          <p:nvPr/>
+        </p:nvPicPr>
+        <p:blipFill>
+          <a:blip r:embed="rId2"/>
+          <a:stretch>
+            <a:fillRect/>
+          </a:stretch>
+        </p:blipFill>
+        <p:spPr>
+          <a:xfrm>
+            <a:off x="3359824" y="4503707"/>
+            <a:ext cx="9145379" cy="1587499"/>
+          </a:xfrm>
+          <a:prstGeom prst="rect">
+            <a:avLst/>
+          </a:prstGeom>
+        </p:spPr>
+      </p:pic>
+      <p:pic>
+        <p:nvPicPr>
+          <p:cNvPr id="9" name="Picture 8">
+            <a:extLst>
+              <a:ext uri="{FF2B5EF4-FFF2-40B4-BE49-F238E27FC236}">
+                <a16:creationId xmlns:a16="http://schemas.microsoft.com/office/drawing/2014/main" id="{DD15B8FD-BB71-114B-2BCE-8EDDC8BEB268}"/>
+              </a:ext>
+            </a:extLst>
+          </p:cNvPr>
+          <p:cNvPicPr>
+            <a:picLocks noChangeAspect="1"/>
+          </p:cNvPicPr>
+          <p:nvPr/>
+        </p:nvPicPr>
+        <p:blipFill>
+          <a:blip r:embed="rId3"/>
+          <a:stretch>
+            <a:fillRect/>
+          </a:stretch>
+        </p:blipFill>
+        <p:spPr>
+          <a:xfrm>
+            <a:off x="3505200" y="1786155"/>
+            <a:ext cx="7115450" cy="790605"/>
+          </a:xfrm>
+          <a:prstGeom prst="rect">
+            <a:avLst/>
+          </a:prstGeom>
+        </p:spPr>
+      </p:pic>
+      <p:pic>
+        <p:nvPicPr>
+          <p:cNvPr id="11" name="Picture 10">
+            <a:extLst>
+              <a:ext uri="{FF2B5EF4-FFF2-40B4-BE49-F238E27FC236}">
+                <a16:creationId xmlns:a16="http://schemas.microsoft.com/office/drawing/2014/main" id="{FBCF525C-9C3D-6996-F36F-8EF8807AE875}"/>
+              </a:ext>
+            </a:extLst>
+          </p:cNvPr>
+          <p:cNvPicPr>
+            <a:picLocks noChangeAspect="1"/>
+          </p:cNvPicPr>
+          <p:nvPr/>
+        </p:nvPicPr>
+        <p:blipFill>
+          <a:blip r:embed="rId4"/>
+          <a:stretch>
+            <a:fillRect/>
+          </a:stretch>
+        </p:blipFill>
+        <p:spPr>
+          <a:xfrm>
+            <a:off x="3359824" y="3037352"/>
+            <a:ext cx="6292156" cy="709642"/>
+          </a:xfrm>
+          <a:prstGeom prst="rect">
+            <a:avLst/>
+          </a:prstGeom>
+        </p:spPr>
+      </p:pic>
+      <p:sp>
+        <p:nvSpPr>
+          <p:cNvPr id="12" name="TextBox 11">
+            <a:extLst>
+              <a:ext uri="{FF2B5EF4-FFF2-40B4-BE49-F238E27FC236}">
+                <a16:creationId xmlns:a16="http://schemas.microsoft.com/office/drawing/2014/main" id="{784FB874-C04A-0A90-6495-DAE973C89F81}"/>
+              </a:ext>
+            </a:extLst>
+          </p:cNvPr>
+          <p:cNvSpPr txBox="1"/>
+          <p:nvPr/>
+        </p:nvSpPr>
+        <p:spPr>
+          <a:xfrm>
+            <a:off x="457200" y="1325563"/>
+            <a:ext cx="2641600" cy="3970318"/>
+          </a:xfrm>
+          <a:prstGeom prst="rect">
+            <a:avLst/>
+          </a:prstGeom>
+          <a:noFill/>
+        </p:spPr>
+        <p:txBody>
+          <a:bodyPr wrap="square" rtlCol="0">
+            <a:spAutoFit/>
+          </a:bodyPr>
+          <a:lstStyle/>
+          <a:p>
+            <a:r>
+              <a:rPr lang="en-GB" sz="3600" dirty="0"/>
+              <a:t>BB QRAM Gate count:</a:t>
+            </a:r>
+            <a:br>
+              <a:rPr lang="en-GB" sz="3600" dirty="0"/>
+            </a:br>
+            <a:br>
+              <a:rPr lang="en-GB" sz="3600" dirty="0"/>
+            </a:br>
+            <a:r>
+              <a:rPr lang="en-GB" sz="3600" dirty="0"/>
+              <a:t>Additional SWAPS:</a:t>
+            </a:r>
+          </a:p>
+          <a:p>
+            <a:endParaRPr lang="en-GB" sz="3600" dirty="0"/>
+          </a:p>
+          <a:p>
+            <a:r>
+              <a:rPr lang="en-GB" sz="3600" dirty="0"/>
+              <a:t>Increase:</a:t>
+            </a:r>
+            <a:endParaRPr lang="en-GB" sz="3200" dirty="0"/>
+          </a:p>
+        </p:txBody>
+      </p:sp>
+    </p:spTree>
+    <p:extLst>
+      <p:ext uri="{BB962C8B-B14F-4D97-AF65-F5344CB8AC3E}">
+        <p14:creationId xmlns:p14="http://schemas.microsoft.com/office/powerpoint/2010/main" val="626299084"/>
+      </p:ext>
+    </p:extLst>
+  </p:cSld>
+  <p:clrMapOvr>
+    <a:masterClrMapping/>
+  </p:clrMapOvr>
+</p:sld>
+</file>
+
+<file path=ppt/slides/slide12.xml><?xml version="1.0" encoding="utf-8"?>
+<p:sld xmlns:a="http://schemas.openxmlformats.org/drawingml/2006/main" xmlns:r="http://schemas.openxmlformats.org/officeDocument/2006/relationships" xmlns:p="http://schemas.openxmlformats.org/presentationml/2006/main">
+  <p:cSld>
+    <p:spTree>
+      <p:nvGrpSpPr>
+        <p:cNvPr id="1" name="">
+          <a:extLst>
+            <a:ext uri="{FF2B5EF4-FFF2-40B4-BE49-F238E27FC236}">
+              <a16:creationId xmlns:a16="http://schemas.microsoft.com/office/drawing/2014/main" id="{497FD9F8-9F44-71F3-2BCA-2D9E4581EDED}"/>
+            </a:ext>
+          </a:extLst>
+        </p:cNvPr>
+        <p:cNvGrpSpPr/>
+        <p:nvPr/>
+      </p:nvGrpSpPr>
+      <p:grpSpPr>
+        <a:xfrm>
+          <a:off x="0" y="0"/>
+          <a:ext cx="0" cy="0"/>
+          <a:chOff x="0" y="0"/>
+          <a:chExt cx="0" cy="0"/>
+        </a:xfrm>
+      </p:grpSpPr>
+      <p:sp>
+        <p:nvSpPr>
+          <p:cNvPr id="2" name="Title 1">
+            <a:extLst>
+              <a:ext uri="{FF2B5EF4-FFF2-40B4-BE49-F238E27FC236}">
+                <a16:creationId xmlns:a16="http://schemas.microsoft.com/office/drawing/2014/main" id="{22FFD098-E76D-AD19-CE10-492CFA8D926E}"/>
+              </a:ext>
+            </a:extLst>
+          </p:cNvPr>
+          <p:cNvSpPr>
+            <a:spLocks noGrp="1"/>
+          </p:cNvSpPr>
+          <p:nvPr>
+            <p:ph type="title"/>
+          </p:nvPr>
+        </p:nvSpPr>
+        <p:spPr>
+          <a:xfrm>
+            <a:off x="1892300" y="2311400"/>
+            <a:ext cx="11976100" cy="1528763"/>
+          </a:xfrm>
+        </p:spPr>
+        <p:txBody>
+          <a:bodyPr>
+            <a:normAutofit/>
+          </a:bodyPr>
+          <a:lstStyle/>
+          <a:p>
+            <a:r>
+              <a:rPr lang="en-GB" sz="6000" dirty="0"/>
+              <a:t>Thank you for listening!!!</a:t>
+            </a:r>
+          </a:p>
+        </p:txBody>
+      </p:sp>
+    </p:spTree>
+    <p:extLst>
+      <p:ext uri="{BB962C8B-B14F-4D97-AF65-F5344CB8AC3E}">
+        <p14:creationId xmlns:p14="http://schemas.microsoft.com/office/powerpoint/2010/main" val="3189879354"/>
+      </p:ext>
+    </p:extLst>
+  </p:cSld>
+  <p:clrMapOvr>
+    <a:masterClrMapping/>
+  </p:clrMapOvr>
+</p:sld>
+</file>
+
 <file path=ppt/slides/slide2.xml><?xml version="1.0" encoding="utf-8"?>
 <p:sld xmlns:a="http://schemas.openxmlformats.org/drawingml/2006/main" xmlns:r="http://schemas.openxmlformats.org/officeDocument/2006/relationships" xmlns:p="http://schemas.openxmlformats.org/presentationml/2006/main">
   <p:cSld>
@@ -4045,6 +4518,301 @@
     <p:extLst>
       <p:ext uri="{BB962C8B-B14F-4D97-AF65-F5344CB8AC3E}">
         <p14:creationId xmlns:p14="http://schemas.microsoft.com/office/powerpoint/2010/main" val="4136242782"/>
+      </p:ext>
+    </p:extLst>
+  </p:cSld>
+  <p:clrMapOvr>
+    <a:masterClrMapping/>
+  </p:clrMapOvr>
+</p:sld>
+</file>
+
+<file path=ppt/slides/slide7.xml><?xml version="1.0" encoding="utf-8"?>
+<p:sld xmlns:a="http://schemas.openxmlformats.org/drawingml/2006/main" xmlns:r="http://schemas.openxmlformats.org/officeDocument/2006/relationships" xmlns:p="http://schemas.openxmlformats.org/presentationml/2006/main">
+  <p:cSld>
+    <p:spTree>
+      <p:nvGrpSpPr>
+        <p:cNvPr id="1" name=""/>
+        <p:cNvGrpSpPr/>
+        <p:nvPr/>
+      </p:nvGrpSpPr>
+      <p:grpSpPr>
+        <a:xfrm>
+          <a:off x="0" y="0"/>
+          <a:ext cx="0" cy="0"/>
+          <a:chOff x="0" y="0"/>
+          <a:chExt cx="0" cy="0"/>
+        </a:xfrm>
+      </p:grpSpPr>
+      <p:sp>
+        <p:nvSpPr>
+          <p:cNvPr id="2" name="Title 1">
+            <a:extLst>
+              <a:ext uri="{FF2B5EF4-FFF2-40B4-BE49-F238E27FC236}">
+                <a16:creationId xmlns:a16="http://schemas.microsoft.com/office/drawing/2014/main" id="{255A751B-45A4-9BBD-182F-1A8864B8BF5E}"/>
+              </a:ext>
+            </a:extLst>
+          </p:cNvPr>
+          <p:cNvSpPr>
+            <a:spLocks noGrp="1"/>
+          </p:cNvSpPr>
+          <p:nvPr>
+            <p:ph type="title"/>
+          </p:nvPr>
+        </p:nvSpPr>
+        <p:spPr>
+          <a:xfrm>
+            <a:off x="838200" y="0"/>
+            <a:ext cx="10515600" cy="1325563"/>
+          </a:xfrm>
+        </p:spPr>
+        <p:txBody>
+          <a:bodyPr/>
+          <a:lstStyle/>
+          <a:p>
+            <a:r>
+              <a:rPr lang="en-GB" dirty="0" err="1"/>
+              <a:t>Qiskit</a:t>
+            </a:r>
+            <a:r>
+              <a:rPr lang="en-GB" dirty="0"/>
+              <a:t> Generated Circuits</a:t>
+            </a:r>
+          </a:p>
+        </p:txBody>
+      </p:sp>
+      <p:pic>
+        <p:nvPicPr>
+          <p:cNvPr id="5" name="Picture 4">
+            <a:extLst>
+              <a:ext uri="{FF2B5EF4-FFF2-40B4-BE49-F238E27FC236}">
+                <a16:creationId xmlns:a16="http://schemas.microsoft.com/office/drawing/2014/main" id="{D381B249-D880-AC88-BE95-72FFAA18CC9B}"/>
+              </a:ext>
+            </a:extLst>
+          </p:cNvPr>
+          <p:cNvPicPr>
+            <a:picLocks noChangeAspect="1"/>
+          </p:cNvPicPr>
+          <p:nvPr/>
+        </p:nvPicPr>
+        <p:blipFill>
+          <a:blip r:embed="rId2"/>
+          <a:stretch>
+            <a:fillRect/>
+          </a:stretch>
+        </p:blipFill>
+        <p:spPr>
+          <a:xfrm>
+            <a:off x="1362269" y="1168460"/>
+            <a:ext cx="8773408" cy="5437614"/>
+          </a:xfrm>
+          <a:prstGeom prst="rect">
+            <a:avLst/>
+          </a:prstGeom>
+        </p:spPr>
+      </p:pic>
+    </p:spTree>
+    <p:extLst>
+      <p:ext uri="{BB962C8B-B14F-4D97-AF65-F5344CB8AC3E}">
+        <p14:creationId xmlns:p14="http://schemas.microsoft.com/office/powerpoint/2010/main" val="2592171113"/>
+      </p:ext>
+    </p:extLst>
+  </p:cSld>
+  <p:clrMapOvr>
+    <a:masterClrMapping/>
+  </p:clrMapOvr>
+</p:sld>
+</file>
+
+<file path=ppt/slides/slide8.xml><?xml version="1.0" encoding="utf-8"?>
+<p:sld xmlns:a="http://schemas.openxmlformats.org/drawingml/2006/main" xmlns:r="http://schemas.openxmlformats.org/officeDocument/2006/relationships" xmlns:p="http://schemas.openxmlformats.org/presentationml/2006/main">
+  <p:cSld>
+    <p:spTree>
+      <p:nvGrpSpPr>
+        <p:cNvPr id="1" name="">
+          <a:extLst>
+            <a:ext uri="{FF2B5EF4-FFF2-40B4-BE49-F238E27FC236}">
+              <a16:creationId xmlns:a16="http://schemas.microsoft.com/office/drawing/2014/main" id="{416E4EE8-DBCD-2888-4890-71434A30FC39}"/>
+            </a:ext>
+          </a:extLst>
+        </p:cNvPr>
+        <p:cNvGrpSpPr/>
+        <p:nvPr/>
+      </p:nvGrpSpPr>
+      <p:grpSpPr>
+        <a:xfrm>
+          <a:off x="0" y="0"/>
+          <a:ext cx="0" cy="0"/>
+          <a:chOff x="0" y="0"/>
+          <a:chExt cx="0" cy="0"/>
+        </a:xfrm>
+      </p:grpSpPr>
+      <p:sp>
+        <p:nvSpPr>
+          <p:cNvPr id="2" name="Title 1">
+            <a:extLst>
+              <a:ext uri="{FF2B5EF4-FFF2-40B4-BE49-F238E27FC236}">
+                <a16:creationId xmlns:a16="http://schemas.microsoft.com/office/drawing/2014/main" id="{1E706D78-1143-82D6-169B-8316731D698E}"/>
+              </a:ext>
+            </a:extLst>
+          </p:cNvPr>
+          <p:cNvSpPr>
+            <a:spLocks noGrp="1"/>
+          </p:cNvSpPr>
+          <p:nvPr>
+            <p:ph type="title"/>
+          </p:nvPr>
+        </p:nvSpPr>
+        <p:spPr>
+          <a:xfrm>
+            <a:off x="838200" y="0"/>
+            <a:ext cx="10515600" cy="1325563"/>
+          </a:xfrm>
+        </p:spPr>
+        <p:txBody>
+          <a:bodyPr/>
+          <a:lstStyle/>
+          <a:p>
+            <a:r>
+              <a:rPr lang="en-GB" dirty="0"/>
+              <a:t>IBM Quantum Suite</a:t>
+            </a:r>
+          </a:p>
+        </p:txBody>
+      </p:sp>
+      <p:pic>
+        <p:nvPicPr>
+          <p:cNvPr id="4" name="Picture 3">
+            <a:extLst>
+              <a:ext uri="{FF2B5EF4-FFF2-40B4-BE49-F238E27FC236}">
+                <a16:creationId xmlns:a16="http://schemas.microsoft.com/office/drawing/2014/main" id="{95196518-7523-94FC-8E60-285FA72D59D9}"/>
+              </a:ext>
+            </a:extLst>
+          </p:cNvPr>
+          <p:cNvPicPr>
+            <a:picLocks noChangeAspect="1"/>
+          </p:cNvPicPr>
+          <p:nvPr/>
+        </p:nvPicPr>
+        <p:blipFill>
+          <a:blip r:embed="rId2"/>
+          <a:stretch>
+            <a:fillRect/>
+          </a:stretch>
+        </p:blipFill>
+        <p:spPr>
+          <a:xfrm>
+            <a:off x="3502703" y="1054100"/>
+            <a:ext cx="5685854" cy="5803900"/>
+          </a:xfrm>
+          <a:prstGeom prst="rect">
+            <a:avLst/>
+          </a:prstGeom>
+        </p:spPr>
+      </p:pic>
+    </p:spTree>
+    <p:extLst>
+      <p:ext uri="{BB962C8B-B14F-4D97-AF65-F5344CB8AC3E}">
+        <p14:creationId xmlns:p14="http://schemas.microsoft.com/office/powerpoint/2010/main" val="2776475292"/>
+      </p:ext>
+    </p:extLst>
+  </p:cSld>
+  <p:clrMapOvr>
+    <a:masterClrMapping/>
+  </p:clrMapOvr>
+</p:sld>
+</file>
+
+<file path=ppt/slides/slide9.xml><?xml version="1.0" encoding="utf-8"?>
+<p:sld xmlns:a="http://schemas.openxmlformats.org/drawingml/2006/main" xmlns:r="http://schemas.openxmlformats.org/officeDocument/2006/relationships" xmlns:p="http://schemas.openxmlformats.org/presentationml/2006/main">
+  <p:cSld>
+    <p:spTree>
+      <p:nvGrpSpPr>
+        <p:cNvPr id="1" name="">
+          <a:extLst>
+            <a:ext uri="{FF2B5EF4-FFF2-40B4-BE49-F238E27FC236}">
+              <a16:creationId xmlns:a16="http://schemas.microsoft.com/office/drawing/2014/main" id="{75ECAEE8-1D82-434C-1704-2792BA46AA4C}"/>
+            </a:ext>
+          </a:extLst>
+        </p:cNvPr>
+        <p:cNvGrpSpPr/>
+        <p:nvPr/>
+      </p:nvGrpSpPr>
+      <p:grpSpPr>
+        <a:xfrm>
+          <a:off x="0" y="0"/>
+          <a:ext cx="0" cy="0"/>
+          <a:chOff x="0" y="0"/>
+          <a:chExt cx="0" cy="0"/>
+        </a:xfrm>
+      </p:grpSpPr>
+      <p:sp>
+        <p:nvSpPr>
+          <p:cNvPr id="2" name="Title 1">
+            <a:extLst>
+              <a:ext uri="{FF2B5EF4-FFF2-40B4-BE49-F238E27FC236}">
+                <a16:creationId xmlns:a16="http://schemas.microsoft.com/office/drawing/2014/main" id="{A9E0E568-FB50-AA59-6AB2-4C491F3ABB80}"/>
+              </a:ext>
+            </a:extLst>
+          </p:cNvPr>
+          <p:cNvSpPr>
+            <a:spLocks noGrp="1"/>
+          </p:cNvSpPr>
+          <p:nvPr>
+            <p:ph type="title"/>
+          </p:nvPr>
+        </p:nvSpPr>
+        <p:spPr>
+          <a:xfrm>
+            <a:off x="838200" y="0"/>
+            <a:ext cx="10515600" cy="1325563"/>
+          </a:xfrm>
+        </p:spPr>
+        <p:txBody>
+          <a:bodyPr/>
+          <a:lstStyle/>
+          <a:p>
+            <a:r>
+              <a:rPr lang="en-GB" dirty="0"/>
+              <a:t>Implementation</a:t>
+            </a:r>
+          </a:p>
+        </p:txBody>
+      </p:sp>
+      <p:pic>
+        <p:nvPicPr>
+          <p:cNvPr id="4" name="Picture 3">
+            <a:extLst>
+              <a:ext uri="{FF2B5EF4-FFF2-40B4-BE49-F238E27FC236}">
+                <a16:creationId xmlns:a16="http://schemas.microsoft.com/office/drawing/2014/main" id="{24BA460E-51B0-2208-66F5-C60F90AC85E5}"/>
+              </a:ext>
+            </a:extLst>
+          </p:cNvPr>
+          <p:cNvPicPr>
+            <a:picLocks noChangeAspect="1"/>
+          </p:cNvPicPr>
+          <p:nvPr/>
+        </p:nvPicPr>
+        <p:blipFill>
+          <a:blip r:embed="rId2"/>
+          <a:stretch>
+            <a:fillRect/>
+          </a:stretch>
+        </p:blipFill>
+        <p:spPr>
+          <a:xfrm>
+            <a:off x="2163438" y="1867607"/>
+            <a:ext cx="6474769" cy="3443460"/>
+          </a:xfrm>
+          <a:prstGeom prst="rect">
+            <a:avLst/>
+          </a:prstGeom>
+        </p:spPr>
+      </p:pic>
+    </p:spTree>
+    <p:extLst>
+      <p:ext uri="{BB962C8B-B14F-4D97-AF65-F5344CB8AC3E}">
+        <p14:creationId xmlns:p14="http://schemas.microsoft.com/office/powerpoint/2010/main" val="3755367530"/>
       </p:ext>
     </p:extLst>
   </p:cSld>
